--- a/Lecture 2 - Introduction to Machine Learning.pptx
+++ b/Lecture 2 - Introduction to Machine Learning.pptx
@@ -239,7 +239,7 @@
           <a:p>
             <a:fld id="{3FE918EF-26F2-F641-9B39-65E2E78847ED}" type="datetimeFigureOut">
               <a:rPr lang="en-US" smtClean="0"/>
-              <a:t>9/27/2019</a:t>
+              <a:t>10/25/2019</a:t>
             </a:fld>
             <a:endParaRPr lang="en-US"/>
           </a:p>
@@ -1000,7 +1000,7 @@
             <a:fld id="{23A271A1-F6D6-438B-A432-4747EE7ECD40}" type="datetimeFigureOut">
               <a:rPr lang="en-US" smtClean="0"/>
               <a:pPr algn="ctr" eaLnBrk="1" latinLnBrk="0" hangingPunct="1"/>
-              <a:t>9/27/2019</a:t>
+              <a:t>10/25/2019</a:t>
             </a:fld>
             <a:endParaRPr lang="en-US" sz="2000" dirty="0">
               <a:solidFill>
@@ -1207,7 +1207,7 @@
             <a:fld id="{23A271A1-F6D6-438B-A432-4747EE7ECD40}" type="datetimeFigureOut">
               <a:rPr lang="en-US" smtClean="0"/>
               <a:pPr eaLnBrk="1" latinLnBrk="0" hangingPunct="1"/>
-              <a:t>9/27/2019</a:t>
+              <a:t>10/25/2019</a:t>
             </a:fld>
             <a:endParaRPr lang="en-US"/>
           </a:p>
@@ -1395,7 +1395,7 @@
             <a:fld id="{23A271A1-F6D6-438B-A432-4747EE7ECD40}" type="datetimeFigureOut">
               <a:rPr lang="en-US" smtClean="0"/>
               <a:pPr eaLnBrk="1" latinLnBrk="0" hangingPunct="1"/>
-              <a:t>9/27/2019</a:t>
+              <a:t>10/25/2019</a:t>
             </a:fld>
             <a:endParaRPr lang="en-US" dirty="0"/>
           </a:p>
@@ -2091,7 +2091,7 @@
             <a:fld id="{23A271A1-F6D6-438B-A432-4747EE7ECD40}" type="datetimeFigureOut">
               <a:rPr lang="en-US" smtClean="0"/>
               <a:pPr eaLnBrk="1" latinLnBrk="0" hangingPunct="1"/>
-              <a:t>9/27/2019</a:t>
+              <a:t>10/25/2019</a:t>
             </a:fld>
             <a:endParaRPr lang="en-US" dirty="0"/>
           </a:p>
@@ -2514,7 +2514,7 @@
             <a:fld id="{23A271A1-F6D6-438B-A432-4747EE7ECD40}" type="datetimeFigureOut">
               <a:rPr lang="en-US" smtClean="0"/>
               <a:pPr eaLnBrk="1" latinLnBrk="0" hangingPunct="1"/>
-              <a:t>9/27/2019</a:t>
+              <a:t>10/25/2019</a:t>
             </a:fld>
             <a:endParaRPr lang="en-US"/>
           </a:p>
@@ -2764,7 +2764,7 @@
             <a:fld id="{23A271A1-F6D6-438B-A432-4747EE7ECD40}" type="datetimeFigureOut">
               <a:rPr lang="en-US" smtClean="0"/>
               <a:pPr eaLnBrk="1" latinLnBrk="0" hangingPunct="1"/>
-              <a:t>9/27/2019</a:t>
+              <a:t>10/25/2019</a:t>
             </a:fld>
             <a:endParaRPr lang="en-US"/>
           </a:p>
@@ -3004,7 +3004,7 @@
             <a:fld id="{23A271A1-F6D6-438B-A432-4747EE7ECD40}" type="datetimeFigureOut">
               <a:rPr lang="en-US" smtClean="0"/>
               <a:pPr eaLnBrk="1" latinLnBrk="0" hangingPunct="1"/>
-              <a:t>9/27/2019</a:t>
+              <a:t>10/25/2019</a:t>
             </a:fld>
             <a:endParaRPr lang="en-US"/>
           </a:p>
@@ -3203,7 +3203,7 @@
             <a:fld id="{23A271A1-F6D6-438B-A432-4747EE7ECD40}" type="datetimeFigureOut">
               <a:rPr lang="en-US" smtClean="0"/>
               <a:pPr eaLnBrk="1" latinLnBrk="0" hangingPunct="1"/>
-              <a:t>9/27/2019</a:t>
+              <a:t>10/25/2019</a:t>
             </a:fld>
             <a:endParaRPr lang="en-US"/>
           </a:p>
@@ -3308,7 +3308,7 @@
             <a:fld id="{23A271A1-F6D6-438B-A432-4747EE7ECD40}" type="datetimeFigureOut">
               <a:rPr lang="en-US" smtClean="0"/>
               <a:pPr eaLnBrk="1" latinLnBrk="0" hangingPunct="1"/>
-              <a:t>9/27/2019</a:t>
+              <a:t>10/25/2019</a:t>
             </a:fld>
             <a:endParaRPr lang="en-US"/>
           </a:p>
@@ -3451,7 +3451,7 @@
             <a:fld id="{23A271A1-F6D6-438B-A432-4747EE7ECD40}" type="datetimeFigureOut">
               <a:rPr lang="en-US" smtClean="0"/>
               <a:pPr eaLnBrk="1" latinLnBrk="0" hangingPunct="1"/>
-              <a:t>9/27/2019</a:t>
+              <a:t>10/25/2019</a:t>
             </a:fld>
             <a:endParaRPr lang="en-US"/>
           </a:p>
@@ -3976,7 +3976,7 @@
             <a:fld id="{23A271A1-F6D6-438B-A432-4747EE7ECD40}" type="datetimeFigureOut">
               <a:rPr lang="en-US" smtClean="0"/>
               <a:pPr eaLnBrk="1" latinLnBrk="0" hangingPunct="1"/>
-              <a:t>9/27/2019</a:t>
+              <a:t>10/25/2019</a:t>
             </a:fld>
             <a:endParaRPr lang="en-US"/>
           </a:p>
@@ -4241,7 +4241,7 @@
             <a:fld id="{23A271A1-F6D6-438B-A432-4747EE7ECD40}" type="datetimeFigureOut">
               <a:rPr lang="en-US" smtClean="0"/>
               <a:pPr eaLnBrk="1" latinLnBrk="0" hangingPunct="1"/>
-              <a:t>9/27/2019</a:t>
+              <a:t>10/25/2019</a:t>
             </a:fld>
             <a:endParaRPr lang="en-US" sz="1400" dirty="0">
               <a:solidFill>
@@ -5138,7 +5138,27 @@
                 <a:latin typeface="Arial"/>
                 <a:cs typeface="Arial"/>
               </a:rPr>
-              <a:t>CSE419 – Artificial Intelligence and Machine Learning 2018</a:t>
+              <a:t>CSE419 – Artificial Intelligence and Machine </a:t>
+            </a:r>
+            <a:r>
+              <a:rPr lang="en-US" sz="4400" spc="-265" smtClean="0">
+                <a:solidFill>
+                  <a:srgbClr val="000000"/>
+                </a:solidFill>
+                <a:latin typeface="Arial"/>
+                <a:cs typeface="Arial"/>
+              </a:rPr>
+              <a:t>Learning </a:t>
+            </a:r>
+            <a:r>
+              <a:rPr lang="en-US" sz="4400" spc="-265" smtClean="0">
+                <a:solidFill>
+                  <a:srgbClr val="000000"/>
+                </a:solidFill>
+                <a:latin typeface="Arial"/>
+                <a:cs typeface="Arial"/>
+              </a:rPr>
+              <a:t>2019</a:t>
             </a:r>
             <a:r>
               <a:rPr lang="en-US" sz="4800" spc="-265" dirty="0" smtClean="0">
